--- a/docs/week-13-direct-sequential-file/ce205-week-13-direct-sequential-file.md_word.pptx
+++ b/docs/week-13-direct-sequential-file/ce205-week-13-direct-sequential-file.md_word.pptx
@@ -9,6 +9,29 @@
     <p:sldId id="257" r:id="rId3"/>
     <p:sldId id="258" r:id="rId4"/>
     <p:sldId id="259" r:id="rId5"/>
+    <p:sldId id="260" r:id="rId6"/>
+    <p:sldId id="261" r:id="rId7"/>
+    <p:sldId id="262" r:id="rId8"/>
+    <p:sldId id="263" r:id="rId9"/>
+    <p:sldId id="264" r:id="rId10"/>
+    <p:sldId id="265" r:id="rId11"/>
+    <p:sldId id="266" r:id="rId12"/>
+    <p:sldId id="267" r:id="rId13"/>
+    <p:sldId id="268" r:id="rId14"/>
+    <p:sldId id="269" r:id="rId15"/>
+    <p:sldId id="270" r:id="rId16"/>
+    <p:sldId id="271" r:id="rId17"/>
+    <p:sldId id="272" r:id="rId18"/>
+    <p:sldId id="273" r:id="rId19"/>
+    <p:sldId id="274" r:id="rId20"/>
+    <p:sldId id="275" r:id="rId21"/>
+    <p:sldId id="276" r:id="rId22"/>
+    <p:sldId id="277" r:id="rId23"/>
+    <p:sldId id="278" r:id="rId24"/>
+    <p:sldId id="279" r:id="rId25"/>
+    <p:sldId id="280" r:id="rId26"/>
+    <p:sldId id="281" r:id="rId27"/>
+    <p:sldId id="282" r:id="rId28"/>
   </p:sldIdLst>
   <p:sldSz cx="9144000" cy="6858000" type="screen4x3"/>
   <p:notesSz cx="6858000" cy="9144000"/>
@@ -3210,6 +3233,973 @@
 </p:sld>
 </file>
 
+<file path=ppt/slides/slide10.xml><?xml version="1.0" encoding="utf-8"?>
+<p:sld xmlns:a="http://schemas.openxmlformats.org/drawingml/2006/main" xmlns:r="http://schemas.openxmlformats.org/officeDocument/2006/relationships" xmlns:p="http://schemas.openxmlformats.org/presentationml/2006/main">
+  <p:cSld>
+    <p:spTree>
+      <p:nvGrpSpPr>
+        <p:cNvPr id="1" name=""/>
+        <p:cNvGrpSpPr/>
+        <p:nvPr/>
+      </p:nvGrpSpPr>
+      <p:grpSpPr>
+        <a:xfrm>
+          <a:off x="0" y="0"/>
+          <a:ext cx="0" cy="0"/>
+          <a:chOff x="0" y="0"/>
+          <a:chExt cx="0" cy="0"/>
+        </a:xfrm>
+      </p:grpSpPr>
+      <p:sp>
+        <p:nvSpPr>
+          <p:cNvPr id="2" name="Title 1"/>
+          <p:cNvSpPr>
+            <a:spLocks noGrp="1"/>
+          </p:cNvSpPr>
+          <p:nvPr>
+            <p:ph type="title"/>
+          </p:nvPr>
+        </p:nvSpPr>
+        <p:spPr/>
+        <p:txBody>
+          <a:bodyPr/>
+          <a:lstStyle/>
+          <a:p>
+            <a:pPr lvl="0" indent="0" marL="0">
+              <a:buNone/>
+            </a:pPr>
+            <a:r>
+              <a:rPr/>
+              <a:t>Outline-6</a:t>
+            </a:r>
+          </a:p>
+        </p:txBody>
+      </p:sp>
+      <p:sp>
+        <p:nvSpPr>
+          <p:cNvPr id="3" name="Content Placeholder 2"/>
+          <p:cNvSpPr>
+            <a:spLocks noGrp="1"/>
+          </p:cNvSpPr>
+          <p:nvPr>
+            <p:ph idx="1"/>
+          </p:nvPr>
+        </p:nvSpPr>
+        <p:spPr/>
+        <p:txBody>
+          <a:bodyPr/>
+          <a:lstStyle/>
+          <a:p>
+            <a:pPr lvl="0"/>
+            <a:r>
+              <a:rPr/>
+              <a:t>File Organization</a:t>
+            </a:r>
+          </a:p>
+          <a:p>
+            <a:pPr lvl="1"/>
+            <a:r>
+              <a:rPr/>
+              <a:t>Direct File Organization</a:t>
+            </a:r>
+          </a:p>
+          <a:p>
+            <a:pPr lvl="2"/>
+            <a:r>
+              <a:rPr/>
+              <a:t>Binary Tree</a:t>
+            </a:r>
+          </a:p>
+          <a:p>
+            <a:pPr lvl="2"/>
+            <a:r>
+              <a:rPr/>
+              <a:t>Computed Chaining Insertion(CCI)</a:t>
+            </a:r>
+          </a:p>
+          <a:p>
+            <a:pPr lvl="2"/>
+            <a:r>
+              <a:rPr/>
+              <a:t>Comparison of Collision Resolution Methods</a:t>
+            </a:r>
+          </a:p>
+          <a:p>
+            <a:pPr lvl="2"/>
+            <a:r>
+              <a:rPr/>
+              <a:t>Perfect Hashing</a:t>
+            </a:r>
+          </a:p>
+          <a:p>
+            <a:pPr lvl="2"/>
+            <a:r>
+              <a:rPr/>
+              <a:t>SimHash</a:t>
+            </a:r>
+          </a:p>
+        </p:txBody>
+      </p:sp>
+    </p:spTree>
+  </p:cSld>
+</p:sld>
+</file>
+
+<file path=ppt/slides/slide11.xml><?xml version="1.0" encoding="utf-8"?>
+<p:sld xmlns:a="http://schemas.openxmlformats.org/drawingml/2006/main" xmlns:r="http://schemas.openxmlformats.org/officeDocument/2006/relationships" xmlns:p="http://schemas.openxmlformats.org/presentationml/2006/main">
+  <p:cSld>
+    <p:spTree>
+      <p:nvGrpSpPr>
+        <p:cNvPr id="1" name=""/>
+        <p:cNvGrpSpPr/>
+        <p:nvPr/>
+      </p:nvGrpSpPr>
+      <p:grpSpPr>
+        <a:xfrm>
+          <a:off x="0" y="0"/>
+          <a:ext cx="0" cy="0"/>
+          <a:chOff x="0" y="0"/>
+          <a:chExt cx="0" cy="0"/>
+        </a:xfrm>
+      </p:grpSpPr>
+      <p:sp>
+        <p:nvSpPr>
+          <p:cNvPr id="2" name="Title 1"/>
+          <p:cNvSpPr>
+            <a:spLocks noGrp="1"/>
+          </p:cNvSpPr>
+          <p:nvPr>
+            <p:ph type="title"/>
+          </p:nvPr>
+        </p:nvSpPr>
+        <p:spPr/>
+        <p:txBody>
+          <a:bodyPr/>
+          <a:lstStyle/>
+          <a:p>
+            <a:pPr lvl="0" indent="0" marL="0">
+              <a:buNone/>
+            </a:pPr>
+            <a:r>
+              <a:rPr b="1"/>
+              <a:t>File Organization</a:t>
+            </a:r>
+          </a:p>
+        </p:txBody>
+      </p:sp>
+      <p:sp>
+        <p:nvSpPr>
+          <p:cNvPr id="3" name="Content Placeholder 2"/>
+          <p:cNvSpPr>
+            <a:spLocks noGrp="1"/>
+          </p:cNvSpPr>
+          <p:nvPr>
+            <p:ph idx="1"/>
+          </p:nvPr>
+        </p:nvSpPr>
+        <p:spPr/>
+        <p:txBody>
+          <a:bodyPr/>
+          <a:lstStyle/>
+          <a:p>
+            <a:pPr lvl="0" indent="0" marL="0">
+              <a:spcBef>
+                <a:spcPts val="3000"/>
+              </a:spcBef>
+              <a:buNone/>
+            </a:pPr>
+            <a:r>
+              <a:rPr b="1"/>
+              <a:t>Sequential File Organization</a:t>
+            </a:r>
+          </a:p>
+          <a:p>
+            <a:pPr lvl="0"/>
+            <a:r>
+              <a:rPr/>
+              <a:t>Binary Search</a:t>
+            </a:r>
+          </a:p>
+          <a:p>
+            <a:pPr lvl="1"/>
+            <a:r>
+              <a:rPr/>
+              <a:t>https://www.scss.tcd.ie/Owen.Conlan/4d2/4D2-4_File_Sorting_v1.pdf</a:t>
+            </a:r>
+          </a:p>
+          <a:p>
+            <a:pPr lvl="1"/>
+            <a:r>
+              <a:rPr/>
+              <a:t>https://www.programiz.com/dsa/binary-search</a:t>
+            </a:r>
+          </a:p>
+          <a:p>
+            <a:pPr lvl="0"/>
+            <a:r>
+              <a:rPr/>
+              <a:t>Interpolation Search</a:t>
+            </a:r>
+          </a:p>
+          <a:p>
+            <a:pPr lvl="1"/>
+            <a:r>
+              <a:rPr/>
+              <a:t>https://www.geeksforgeeks.org/interpolation-search/</a:t>
+            </a:r>
+          </a:p>
+          <a:p>
+            <a:pPr lvl="0"/>
+            <a:r>
+              <a:rPr/>
+              <a:t>Self-Organizing Sequential Search</a:t>
+            </a:r>
+          </a:p>
+          <a:p>
+            <a:pPr lvl="1"/>
+            <a:r>
+              <a:rPr/>
+              <a:t>https://people.csail.mit.edu/rivest/pubs/Riv76a.pdf</a:t>
+            </a:r>
+          </a:p>
+          <a:p>
+            <a:pPr lvl="1"/>
+            <a:r>
+              <a:rPr/>
+              <a:t>https://xlinux.nist.gov/dads/HTML/selforganizingSequentialSearch.html</a:t>
+            </a:r>
+          </a:p>
+          <a:p>
+            <a:pPr lvl="1"/>
+            <a:r>
+              <a:rPr/>
+              <a:t>https://xlinux.nist.gov/dads/HTML/transposeSeqSearch.html</a:t>
+            </a:r>
+          </a:p>
+        </p:txBody>
+      </p:sp>
+    </p:spTree>
+  </p:cSld>
+</p:sld>
+</file>
+
+<file path=ppt/slides/slide12.xml><?xml version="1.0" encoding="utf-8"?>
+<p:sld xmlns:a="http://schemas.openxmlformats.org/drawingml/2006/main" xmlns:r="http://schemas.openxmlformats.org/officeDocument/2006/relationships" xmlns:p="http://schemas.openxmlformats.org/presentationml/2006/main">
+  <p:cSld>
+    <p:spTree>
+      <p:nvGrpSpPr>
+        <p:cNvPr id="1" name=""/>
+        <p:cNvGrpSpPr/>
+        <p:nvPr/>
+      </p:nvGrpSpPr>
+      <p:grpSpPr>
+        <a:xfrm>
+          <a:off x="0" y="0"/>
+          <a:ext cx="0" cy="0"/>
+          <a:chOff x="0" y="0"/>
+          <a:chExt cx="0" cy="0"/>
+        </a:xfrm>
+      </p:grpSpPr>
+      <p:sp>
+        <p:nvSpPr>
+          <p:cNvPr id="2" name="Title 1"/>
+          <p:cNvSpPr>
+            <a:spLocks noGrp="1"/>
+          </p:cNvSpPr>
+          <p:nvPr>
+            <p:ph type="title"/>
+          </p:nvPr>
+        </p:nvSpPr>
+        <p:spPr/>
+        <p:txBody>
+          <a:bodyPr/>
+          <a:lstStyle/>
+          <a:p>
+            <a:pPr lvl="0" indent="0" marL="0">
+              <a:buNone/>
+            </a:pPr>
+            <a:r>
+              <a:rPr b="1"/>
+              <a:t>File Organization</a:t>
+            </a:r>
+          </a:p>
+        </p:txBody>
+      </p:sp>
+      <p:sp>
+        <p:nvSpPr>
+          <p:cNvPr id="3" name="Content Placeholder 2"/>
+          <p:cNvSpPr>
+            <a:spLocks noGrp="1"/>
+          </p:cNvSpPr>
+          <p:nvPr>
+            <p:ph idx="1"/>
+          </p:nvPr>
+        </p:nvSpPr>
+        <p:spPr/>
+        <p:txBody>
+          <a:bodyPr/>
+          <a:lstStyle/>
+          <a:p>
+            <a:pPr lvl="0" indent="0" marL="0">
+              <a:spcBef>
+                <a:spcPts val="3000"/>
+              </a:spcBef>
+              <a:buNone/>
+            </a:pPr>
+            <a:r>
+              <a:rPr b="1"/>
+              <a:t>Direct File Organization</a:t>
+            </a:r>
+          </a:p>
+          <a:p>
+            <a:pPr lvl="0" indent="0" marL="0">
+              <a:spcBef>
+                <a:spcPts val="3000"/>
+              </a:spcBef>
+              <a:buNone/>
+            </a:pPr>
+            <a:r>
+              <a:rPr b="1"/>
+              <a:t>Locating Information</a:t>
+            </a:r>
+          </a:p>
+        </p:txBody>
+      </p:sp>
+    </p:spTree>
+  </p:cSld>
+</p:sld>
+</file>
+
+<file path=ppt/slides/slide13.xml><?xml version="1.0" encoding="utf-8"?>
+<p:sld xmlns:a="http://schemas.openxmlformats.org/drawingml/2006/main" xmlns:r="http://schemas.openxmlformats.org/officeDocument/2006/relationships" xmlns:p="http://schemas.openxmlformats.org/presentationml/2006/main">
+  <p:cSld>
+    <p:spTree>
+      <p:nvGrpSpPr>
+        <p:cNvPr id="1" name=""/>
+        <p:cNvGrpSpPr/>
+        <p:nvPr/>
+      </p:nvGrpSpPr>
+      <p:grpSpPr>
+        <a:xfrm>
+          <a:off x="0" y="0"/>
+          <a:ext cx="0" cy="0"/>
+          <a:chOff x="0" y="0"/>
+          <a:chExt cx="0" cy="0"/>
+        </a:xfrm>
+      </p:grpSpPr>
+      <p:sp>
+        <p:nvSpPr>
+          <p:cNvPr id="3" name="Content Placeholder 2"/>
+          <p:cNvSpPr>
+            <a:spLocks noGrp="1"/>
+          </p:cNvSpPr>
+          <p:nvPr>
+            <p:ph idx="1"/>
+          </p:nvPr>
+        </p:nvSpPr>
+        <p:spPr/>
+        <p:txBody>
+          <a:bodyPr/>
+          <a:lstStyle/>
+          <a:p>
+            <a:pPr lvl="0" indent="0" marL="0">
+              <a:spcBef>
+                <a:spcPts val="3000"/>
+              </a:spcBef>
+              <a:buNone/>
+            </a:pPr>
+            <a:r>
+              <a:rPr b="1"/>
+              <a:t>Hashing Functions (MD5, HAVAL, SHA1 etc.)</a:t>
+            </a:r>
+          </a:p>
+          <a:p>
+            <a:pPr lvl="0"/>
+            <a:r>
+              <a:rPr/>
+              <a:t>Key mod N</a:t>
+            </a:r>
+          </a:p>
+          <a:p>
+            <a:pPr lvl="0"/>
+            <a:r>
+              <a:rPr/>
+              <a:t>Key mod P</a:t>
+            </a:r>
+          </a:p>
+          <a:p>
+            <a:pPr lvl="0"/>
+            <a:r>
+              <a:rPr/>
+              <a:t>Truncation</a:t>
+            </a:r>
+          </a:p>
+          <a:p>
+            <a:pPr lvl="0"/>
+            <a:r>
+              <a:rPr/>
+              <a:t>Folding</a:t>
+            </a:r>
+          </a:p>
+          <a:p>
+            <a:pPr lvl="0"/>
+            <a:r>
+              <a:rPr/>
+              <a:t>Squaring</a:t>
+            </a:r>
+          </a:p>
+          <a:p>
+            <a:pPr lvl="0"/>
+            <a:r>
+              <a:rPr/>
+              <a:t>Radix Conversion</a:t>
+            </a:r>
+          </a:p>
+          <a:p>
+            <a:pPr lvl="0"/>
+            <a:r>
+              <a:rPr/>
+              <a:t>Polynomial Hashing</a:t>
+            </a:r>
+          </a:p>
+          <a:p>
+            <a:pPr lvl="0"/>
+            <a:r>
+              <a:rPr/>
+              <a:t>Alphabetic Keys</a:t>
+            </a:r>
+          </a:p>
+          <a:p>
+            <a:pPr lvl="0"/>
+            <a:r>
+              <a:rPr/>
+              <a:t>Collisions</a:t>
+            </a:r>
+          </a:p>
+        </p:txBody>
+      </p:sp>
+    </p:spTree>
+  </p:cSld>
+</p:sld>
+</file>
+
+<file path=ppt/slides/slide14.xml><?xml version="1.0" encoding="utf-8"?>
+<p:sld xmlns:a="http://schemas.openxmlformats.org/drawingml/2006/main" xmlns:r="http://schemas.openxmlformats.org/officeDocument/2006/relationships" xmlns:p="http://schemas.openxmlformats.org/presentationml/2006/main">
+  <p:cSld>
+    <p:spTree>
+      <p:nvGrpSpPr>
+        <p:cNvPr id="1" name=""/>
+        <p:cNvGrpSpPr/>
+        <p:nvPr/>
+      </p:nvGrpSpPr>
+      <p:grpSpPr>
+        <a:xfrm>
+          <a:off x="0" y="0"/>
+          <a:ext cx="0" cy="0"/>
+          <a:chOff x="0" y="0"/>
+          <a:chExt cx="0" cy="0"/>
+        </a:xfrm>
+      </p:grpSpPr>
+      <p:sp>
+        <p:nvSpPr>
+          <p:cNvPr id="3" name="Content Placeholder 2"/>
+          <p:cNvSpPr>
+            <a:spLocks noGrp="1"/>
+          </p:cNvSpPr>
+          <p:nvPr>
+            <p:ph idx="1"/>
+          </p:nvPr>
+        </p:nvSpPr>
+        <p:spPr/>
+        <p:txBody>
+          <a:bodyPr/>
+          <a:lstStyle/>
+          <a:p>
+            <a:pPr lvl="0" indent="0" marL="0">
+              <a:spcBef>
+                <a:spcPts val="3000"/>
+              </a:spcBef>
+              <a:buNone/>
+            </a:pPr>
+            <a:r>
+              <a:rPr b="1"/>
+              <a:t>Hashing Functions (MD5, HAVAL, SHA1 etc.)</a:t>
+            </a:r>
+          </a:p>
+          <a:p>
+            <a:pPr lvl="0"/>
+            <a:r>
+              <a:rPr/>
+              <a:t>http://www.cs.bilkent.edu.tr/~kdincer/teaching/spring1999/bu-bil212-fo/lectures/pdf-files/bil212-chp6-2.pdf</a:t>
+            </a:r>
+          </a:p>
+          <a:p>
+            <a:pPr lvl="0"/>
+            <a:r>
+              <a:rPr/>
+              <a:t>https://www.amirajcollege.in/wp-content/uploads/2020/06/3130702-chapter-4-hashing-and-file-structure.pdf</a:t>
+            </a:r>
+          </a:p>
+          <a:p>
+            <a:pPr lvl="0"/>
+            <a:r>
+              <a:rPr/>
+              <a:t>https://www.cs.bilkent.edu.tr/~kdincer/teaching/spring1999/bu-bil212-fo/lecture_notes.htm</a:t>
+            </a:r>
+          </a:p>
+          <a:p>
+            <a:pPr lvl="0"/>
+            <a:r>
+              <a:rPr/>
+              <a:t>https://www.cs.otago.ac.nz/cosc242/pdf/L09.pdf</a:t>
+            </a:r>
+          </a:p>
+          <a:p>
+            <a:pPr lvl="0"/>
+            <a:r>
+              <a:rPr/>
+              <a:t>https://www.cs.otago.ac.nz/cosc242/pdf/L10.pdf</a:t>
+            </a:r>
+          </a:p>
+        </p:txBody>
+      </p:sp>
+    </p:spTree>
+  </p:cSld>
+</p:sld>
+</file>
+
+<file path=ppt/slides/slide15.xml><?xml version="1.0" encoding="utf-8"?>
+<p:sld xmlns:a="http://schemas.openxmlformats.org/drawingml/2006/main" xmlns:r="http://schemas.openxmlformats.org/officeDocument/2006/relationships" xmlns:p="http://schemas.openxmlformats.org/presentationml/2006/main">
+  <p:cSld>
+    <p:spTree>
+      <p:nvGrpSpPr>
+        <p:cNvPr id="1" name=""/>
+        <p:cNvGrpSpPr/>
+        <p:nvPr/>
+      </p:nvGrpSpPr>
+      <p:grpSpPr>
+        <a:xfrm>
+          <a:off x="0" y="0"/>
+          <a:ext cx="0" cy="0"/>
+          <a:chOff x="0" y="0"/>
+          <a:chExt cx="0" cy="0"/>
+        </a:xfrm>
+      </p:grpSpPr>
+      <p:sp>
+        <p:nvSpPr>
+          <p:cNvPr id="3" name="Content Placeholder 2"/>
+          <p:cNvSpPr>
+            <a:spLocks noGrp="1"/>
+          </p:cNvSpPr>
+          <p:nvPr>
+            <p:ph idx="1"/>
+          </p:nvPr>
+        </p:nvSpPr>
+        <p:spPr/>
+        <p:txBody>
+          <a:bodyPr/>
+          <a:lstStyle/>
+          <a:p>
+            <a:pPr lvl="0" indent="0" marL="0">
+              <a:spcBef>
+                <a:spcPts val="3000"/>
+              </a:spcBef>
+              <a:buNone/>
+            </a:pPr>
+            <a:r>
+              <a:rPr b="1"/>
+              <a:t>Collision Resolution</a:t>
+            </a:r>
+          </a:p>
+          <a:p>
+            <a:pPr lvl="0"/>
+            <a:r>
+              <a:rPr/>
+              <a:t>Collision resolution with links</a:t>
+            </a:r>
+          </a:p>
+          <a:p>
+            <a:pPr lvl="0"/>
+            <a:r>
+              <a:rPr/>
+              <a:t>Collision resolution without links</a:t>
+            </a:r>
+          </a:p>
+          <a:p>
+            <a:pPr lvl="0"/>
+            <a:r>
+              <a:rPr/>
+              <a:t>Static positioning of records</a:t>
+            </a:r>
+          </a:p>
+          <a:p>
+            <a:pPr lvl="1"/>
+            <a:r>
+              <a:rPr/>
+              <a:t>https://www.cs.bilkent.edu.tr/~canf/CS351Fall2010/cs351lecturenotes/week5/index.html</a:t>
+            </a:r>
+          </a:p>
+          <a:p>
+            <a:pPr lvl="0"/>
+            <a:r>
+              <a:rPr/>
+              <a:t>Dynamic positioning of records</a:t>
+            </a:r>
+          </a:p>
+          <a:p>
+            <a:pPr lvl="1"/>
+            <a:r>
+              <a:rPr/>
+              <a:t>https://www.cs.bilkent.edu.tr/~canf/CS351Fall2010/cs351lecturenotes/week5/index.html</a:t>
+            </a:r>
+          </a:p>
+          <a:p>
+            <a:pPr lvl="0"/>
+            <a:r>
+              <a:rPr/>
+              <a:t>Collision resolution with pseudolinks</a:t>
+            </a:r>
+          </a:p>
+          <a:p>
+            <a:pPr lvl="1"/>
+            <a:r>
+              <a:rPr/>
+              <a:t>https://www.cs.bilkent.edu.tr/~canf/CS351Fall2010/cs351lecturenotes/week6/index.html</a:t>
+            </a:r>
+          </a:p>
+          <a:p>
+            <a:pPr lvl="0"/>
+            <a:r>
+              <a:rPr/>
+              <a:t>http://www.cs.bilkent.edu.tr/~kdincer/teaching/spring1999/bu-bil212-fo/lectures/pdf-files/bil212-chp6-2.pdf</a:t>
+            </a:r>
+          </a:p>
+        </p:txBody>
+      </p:sp>
+    </p:spTree>
+  </p:cSld>
+</p:sld>
+</file>
+
+<file path=ppt/slides/slide16.xml><?xml version="1.0" encoding="utf-8"?>
+<p:sld xmlns:a="http://schemas.openxmlformats.org/drawingml/2006/main" xmlns:r="http://schemas.openxmlformats.org/officeDocument/2006/relationships" xmlns:p="http://schemas.openxmlformats.org/presentationml/2006/main">
+  <p:cSld>
+    <p:spTree>
+      <p:nvGrpSpPr>
+        <p:cNvPr id="1" name=""/>
+        <p:cNvGrpSpPr/>
+        <p:nvPr/>
+      </p:nvGrpSpPr>
+      <p:grpSpPr>
+        <a:xfrm>
+          <a:off x="0" y="0"/>
+          <a:ext cx="0" cy="0"/>
+          <a:chOff x="0" y="0"/>
+          <a:chExt cx="0" cy="0"/>
+        </a:xfrm>
+      </p:grpSpPr>
+      <p:sp>
+        <p:nvSpPr>
+          <p:cNvPr id="3" name="Content Placeholder 2"/>
+          <p:cNvSpPr>
+            <a:spLocks noGrp="1"/>
+          </p:cNvSpPr>
+          <p:nvPr>
+            <p:ph idx="1"/>
+          </p:nvPr>
+        </p:nvSpPr>
+        <p:spPr/>
+        <p:txBody>
+          <a:bodyPr/>
+          <a:lstStyle/>
+          <a:p>
+            <a:pPr lvl="0" indent="0" marL="0">
+              <a:spcBef>
+                <a:spcPts val="3000"/>
+              </a:spcBef>
+              <a:buNone/>
+            </a:pPr>
+            <a:r>
+              <a:rPr b="1"/>
+              <a:t>Coalesced Hashing</a:t>
+            </a:r>
+          </a:p>
+          <a:p>
+            <a:pPr lvl="0"/>
+            <a:r>
+              <a:rPr/>
+              <a:t>EISCH</a:t>
+            </a:r>
+          </a:p>
+          <a:p>
+            <a:pPr lvl="0"/>
+            <a:r>
+              <a:rPr/>
+              <a:t>LISCH</a:t>
+            </a:r>
+          </a:p>
+          <a:p>
+            <a:pPr lvl="0"/>
+            <a:r>
+              <a:rPr/>
+              <a:t>BEISCH</a:t>
+            </a:r>
+          </a:p>
+          <a:p>
+            <a:pPr lvl="0"/>
+            <a:r>
+              <a:rPr/>
+              <a:t>BLISCH</a:t>
+            </a:r>
+          </a:p>
+          <a:p>
+            <a:pPr lvl="0"/>
+            <a:r>
+              <a:rPr/>
+              <a:t>REISCH</a:t>
+            </a:r>
+          </a:p>
+          <a:p>
+            <a:pPr lvl="0"/>
+            <a:r>
+              <a:rPr/>
+              <a:t>RLISCH</a:t>
+            </a:r>
+          </a:p>
+          <a:p>
+            <a:pPr lvl="0"/>
+            <a:r>
+              <a:rPr/>
+              <a:t>EICH</a:t>
+            </a:r>
+          </a:p>
+          <a:p>
+            <a:pPr lvl="0"/>
+            <a:r>
+              <a:rPr/>
+              <a:t>LICH</a:t>
+            </a:r>
+          </a:p>
+          <a:p>
+            <a:pPr lvl="0"/>
+            <a:r>
+              <a:rPr/>
+              <a:t>https://www.cs.bilkent.edu.tr/~kdincer/teaching/spring1999/bu-bil212-fo/lectures/pdf-files/bil212-chp6-2.pdf</a:t>
+            </a:r>
+          </a:p>
+        </p:txBody>
+      </p:sp>
+    </p:spTree>
+  </p:cSld>
+</p:sld>
+</file>
+
+<file path=ppt/slides/slide17.xml><?xml version="1.0" encoding="utf-8"?>
+<p:sld xmlns:a="http://schemas.openxmlformats.org/drawingml/2006/main" xmlns:r="http://schemas.openxmlformats.org/officeDocument/2006/relationships" xmlns:p="http://schemas.openxmlformats.org/presentationml/2006/main">
+  <p:cSld>
+    <p:spTree>
+      <p:nvGrpSpPr>
+        <p:cNvPr id="1" name=""/>
+        <p:cNvGrpSpPr/>
+        <p:nvPr/>
+      </p:nvGrpSpPr>
+      <p:grpSpPr>
+        <a:xfrm>
+          <a:off x="0" y="0"/>
+          <a:ext cx="0" cy="0"/>
+          <a:chOff x="0" y="0"/>
+          <a:chExt cx="0" cy="0"/>
+        </a:xfrm>
+      </p:grpSpPr>
+      <p:sp>
+        <p:nvSpPr>
+          <p:cNvPr id="3" name="Content Placeholder 2"/>
+          <p:cNvSpPr>
+            <a:spLocks noGrp="1"/>
+          </p:cNvSpPr>
+          <p:nvPr>
+            <p:ph idx="1"/>
+          </p:nvPr>
+        </p:nvSpPr>
+        <p:spPr/>
+        <p:txBody>
+          <a:bodyPr/>
+          <a:lstStyle/>
+          <a:p>
+            <a:pPr lvl="0" indent="0" marL="0">
+              <a:spcBef>
+                <a:spcPts val="3000"/>
+              </a:spcBef>
+              <a:buNone/>
+            </a:pPr>
+            <a:r>
+              <a:rPr b="1"/>
+              <a:t>Progressive Overflow</a:t>
+            </a:r>
+          </a:p>
+          <a:p>
+            <a:pPr lvl="0"/>
+            <a:r>
+              <a:rPr/>
+              <a:t>Linear Probing</a:t>
+            </a:r>
+          </a:p>
+          <a:p>
+            <a:pPr lvl="1"/>
+            <a:r>
+              <a:rPr/>
+              <a:t>https://en.wikipedia.org/wiki/Linear_probing#:~:text=Linear%20probing%20is%20a%20scheme,by%20Gene%20Amdahl%2C%20Elaine%20M.</a:t>
+            </a:r>
+          </a:p>
+          <a:p>
+            <a:pPr lvl="0"/>
+            <a:r>
+              <a:rPr/>
+              <a:t>Quadratic Probing</a:t>
+            </a:r>
+          </a:p>
+          <a:p>
+            <a:pPr lvl="1"/>
+            <a:r>
+              <a:rPr/>
+              <a:t>https://www.geeksforgeeks.org/quadratic-probing-in-hashing/</a:t>
+            </a:r>
+          </a:p>
+          <a:p>
+            <a:pPr lvl="0"/>
+            <a:r>
+              <a:rPr/>
+              <a:t>https://www.cs.bilkent.edu.tr/~kdincer/teaching/spring1999/bu-bil212-fo/lectures/pdf-files/bil212-chp6-2.pdf</a:t>
+            </a:r>
+          </a:p>
+        </p:txBody>
+      </p:sp>
+    </p:spTree>
+  </p:cSld>
+</p:sld>
+</file>
+
+<file path=ppt/slides/slide18.xml><?xml version="1.0" encoding="utf-8"?>
+<p:sld xmlns:a="http://schemas.openxmlformats.org/drawingml/2006/main" xmlns:r="http://schemas.openxmlformats.org/officeDocument/2006/relationships" xmlns:p="http://schemas.openxmlformats.org/presentationml/2006/main">
+  <p:cSld>
+    <p:spTree>
+      <p:nvGrpSpPr>
+        <p:cNvPr id="1" name=""/>
+        <p:cNvGrpSpPr/>
+        <p:nvPr/>
+      </p:nvGrpSpPr>
+      <p:grpSpPr>
+        <a:xfrm>
+          <a:off x="0" y="0"/>
+          <a:ext cx="0" cy="0"/>
+          <a:chOff x="0" y="0"/>
+          <a:chExt cx="0" cy="0"/>
+        </a:xfrm>
+      </p:grpSpPr>
+      <p:sp>
+        <p:nvSpPr>
+          <p:cNvPr id="3" name="Content Placeholder 2"/>
+          <p:cNvSpPr>
+            <a:spLocks noGrp="1"/>
+          </p:cNvSpPr>
+          <p:nvPr>
+            <p:ph idx="1"/>
+          </p:nvPr>
+        </p:nvSpPr>
+        <p:spPr/>
+        <p:txBody>
+          <a:bodyPr/>
+          <a:lstStyle/>
+          <a:p>
+            <a:pPr lvl="0" indent="0" marL="0">
+              <a:spcBef>
+                <a:spcPts val="3000"/>
+              </a:spcBef>
+              <a:buNone/>
+            </a:pPr>
+            <a:r>
+              <a:rPr b="1"/>
+              <a:t>Double Hashing</a:t>
+            </a:r>
+          </a:p>
+          <a:p>
+            <a:pPr lvl="0"/>
+            <a:r>
+              <a:rPr/>
+              <a:t>https://www.geeksforgeeks.org/double-hashing/</a:t>
+            </a:r>
+          </a:p>
+          <a:p>
+            <a:pPr lvl="0"/>
+            <a:r>
+              <a:rPr/>
+              <a:t>https://www.geeksforgeeks.org/hashing-set-3-open-addressing/</a:t>
+            </a:r>
+          </a:p>
+        </p:txBody>
+      </p:sp>
+    </p:spTree>
+  </p:cSld>
+</p:sld>
+</file>
+
+<file path=ppt/slides/slide19.xml><?xml version="1.0" encoding="utf-8"?>
+<p:sld xmlns:a="http://schemas.openxmlformats.org/drawingml/2006/main" xmlns:r="http://schemas.openxmlformats.org/officeDocument/2006/relationships" xmlns:p="http://schemas.openxmlformats.org/presentationml/2006/main">
+  <p:cSld>
+    <p:spTree>
+      <p:nvGrpSpPr>
+        <p:cNvPr id="1" name=""/>
+        <p:cNvGrpSpPr/>
+        <p:nvPr/>
+      </p:nvGrpSpPr>
+      <p:grpSpPr>
+        <a:xfrm>
+          <a:off x="0" y="0"/>
+          <a:ext cx="0" cy="0"/>
+          <a:chOff x="0" y="0"/>
+          <a:chExt cx="0" cy="0"/>
+        </a:xfrm>
+      </p:grpSpPr>
+      <p:sp>
+        <p:nvSpPr>
+          <p:cNvPr id="3" name="Content Placeholder 2"/>
+          <p:cNvSpPr>
+            <a:spLocks noGrp="1"/>
+          </p:cNvSpPr>
+          <p:nvPr>
+            <p:ph idx="1"/>
+          </p:nvPr>
+        </p:nvSpPr>
+        <p:spPr/>
+        <p:txBody>
+          <a:bodyPr/>
+          <a:lstStyle/>
+          <a:p>
+            <a:pPr lvl="0" indent="0" marL="0">
+              <a:spcBef>
+                <a:spcPts val="3000"/>
+              </a:spcBef>
+              <a:buNone/>
+            </a:pPr>
+            <a:r>
+              <a:rPr b="1"/>
+              <a:t>Use of Buckets</a:t>
+            </a:r>
+          </a:p>
+          <a:p>
+            <a:pPr lvl="0"/>
+            <a:r>
+              <a:rPr/>
+              <a:t>https://www.geeksforgeeks.org/file-organization-in-dbms-set-4/</a:t>
+            </a:r>
+          </a:p>
+        </p:txBody>
+      </p:sp>
+    </p:spTree>
+  </p:cSld>
+</p:sld>
+</file>
+
 <file path=ppt/slides/slide2.xml><?xml version="1.0" encoding="utf-8"?>
 <p:sld xmlns:a="http://schemas.openxmlformats.org/drawingml/2006/main" xmlns:r="http://schemas.openxmlformats.org/officeDocument/2006/relationships" xmlns:p="http://schemas.openxmlformats.org/presentationml/2006/main">
   <p:cSld>
@@ -3257,6 +4247,530 @@
           </a:p>
         </p:txBody>
       </p:sp>
+    </p:spTree>
+  </p:cSld>
+</p:sld>
+</file>
+
+<file path=ppt/slides/slide20.xml><?xml version="1.0" encoding="utf-8"?>
+<p:sld xmlns:a="http://schemas.openxmlformats.org/drawingml/2006/main" xmlns:r="http://schemas.openxmlformats.org/officeDocument/2006/relationships" xmlns:p="http://schemas.openxmlformats.org/presentationml/2006/main">
+  <p:cSld>
+    <p:spTree>
+      <p:nvGrpSpPr>
+        <p:cNvPr id="1" name=""/>
+        <p:cNvGrpSpPr/>
+        <p:nvPr/>
+      </p:nvGrpSpPr>
+      <p:grpSpPr>
+        <a:xfrm>
+          <a:off x="0" y="0"/>
+          <a:ext cx="0" cy="0"/>
+          <a:chOff x="0" y="0"/>
+          <a:chExt cx="0" cy="0"/>
+        </a:xfrm>
+      </p:grpSpPr>
+      <p:sp>
+        <p:nvSpPr>
+          <p:cNvPr id="3" name="Content Placeholder 2"/>
+          <p:cNvSpPr>
+            <a:spLocks noGrp="1"/>
+          </p:cNvSpPr>
+          <p:nvPr>
+            <p:ph idx="1"/>
+          </p:nvPr>
+        </p:nvSpPr>
+        <p:spPr/>
+        <p:txBody>
+          <a:bodyPr/>
+          <a:lstStyle/>
+          <a:p>
+            <a:pPr lvl="0" indent="0" marL="0">
+              <a:spcBef>
+                <a:spcPts val="3000"/>
+              </a:spcBef>
+              <a:buNone/>
+            </a:pPr>
+            <a:r>
+              <a:rPr b="1"/>
+              <a:t>Linear Quotient</a:t>
+            </a:r>
+          </a:p>
+          <a:p>
+            <a:pPr lvl="0"/>
+            <a:r>
+              <a:rPr/>
+              <a:t>http://www.cs.bilkent.edu.tr/~kdincer/teaching/spring1999/bu-bil212-fo/lectures/pdf-files/bil212-chp6-2.pdf</a:t>
+            </a:r>
+          </a:p>
+        </p:txBody>
+      </p:sp>
+    </p:spTree>
+  </p:cSld>
+</p:sld>
+</file>
+
+<file path=ppt/slides/slide21.xml><?xml version="1.0" encoding="utf-8"?>
+<p:sld xmlns:a="http://schemas.openxmlformats.org/drawingml/2006/main" xmlns:r="http://schemas.openxmlformats.org/officeDocument/2006/relationships" xmlns:p="http://schemas.openxmlformats.org/presentationml/2006/main">
+  <p:cSld>
+    <p:spTree>
+      <p:nvGrpSpPr>
+        <p:cNvPr id="1" name=""/>
+        <p:cNvGrpSpPr/>
+        <p:nvPr/>
+      </p:nvGrpSpPr>
+      <p:grpSpPr>
+        <a:xfrm>
+          <a:off x="0" y="0"/>
+          <a:ext cx="0" cy="0"/>
+          <a:chOff x="0" y="0"/>
+          <a:chExt cx="0" cy="0"/>
+        </a:xfrm>
+      </p:grpSpPr>
+      <p:sp>
+        <p:nvSpPr>
+          <p:cNvPr id="3" name="Content Placeholder 2"/>
+          <p:cNvSpPr>
+            <a:spLocks noGrp="1"/>
+          </p:cNvSpPr>
+          <p:nvPr>
+            <p:ph idx="1"/>
+          </p:nvPr>
+        </p:nvSpPr>
+        <p:spPr/>
+        <p:txBody>
+          <a:bodyPr/>
+          <a:lstStyle/>
+          <a:p>
+            <a:pPr lvl="0" indent="0" marL="0">
+              <a:spcBef>
+                <a:spcPts val="3000"/>
+              </a:spcBef>
+              <a:buNone/>
+            </a:pPr>
+            <a:r>
+              <a:rPr b="1"/>
+              <a:t>Brent’s Method</a:t>
+            </a:r>
+          </a:p>
+          <a:p>
+            <a:pPr lvl="0"/>
+            <a:r>
+              <a:rPr/>
+              <a:t>https://github.com/ncilengir/brent-hashing</a:t>
+            </a:r>
+          </a:p>
+          <a:p>
+            <a:pPr lvl="0"/>
+            <a:r>
+              <a:rPr/>
+              <a:t>https://cseweb.ucsd.edu//~kube/cls/100/Lectures/lec17.brentsordered/lec17.pdf</a:t>
+            </a:r>
+          </a:p>
+        </p:txBody>
+      </p:sp>
+    </p:spTree>
+  </p:cSld>
+</p:sld>
+</file>
+
+<file path=ppt/slides/slide22.xml><?xml version="1.0" encoding="utf-8"?>
+<p:sld xmlns:a="http://schemas.openxmlformats.org/drawingml/2006/main" xmlns:r="http://schemas.openxmlformats.org/officeDocument/2006/relationships" xmlns:p="http://schemas.openxmlformats.org/presentationml/2006/main">
+  <p:cSld>
+    <p:spTree>
+      <p:nvGrpSpPr>
+        <p:cNvPr id="1" name=""/>
+        <p:cNvGrpSpPr/>
+        <p:nvPr/>
+      </p:nvGrpSpPr>
+      <p:grpSpPr>
+        <a:xfrm>
+          <a:off x="0" y="0"/>
+          <a:ext cx="0" cy="0"/>
+          <a:chOff x="0" y="0"/>
+          <a:chExt cx="0" cy="0"/>
+        </a:xfrm>
+      </p:grpSpPr>
+      <p:sp>
+        <p:nvSpPr>
+          <p:cNvPr id="3" name="Content Placeholder 2"/>
+          <p:cNvSpPr>
+            <a:spLocks noGrp="1"/>
+          </p:cNvSpPr>
+          <p:nvPr>
+            <p:ph idx="1"/>
+          </p:nvPr>
+        </p:nvSpPr>
+        <p:spPr/>
+        <p:txBody>
+          <a:bodyPr/>
+          <a:lstStyle/>
+          <a:p>
+            <a:pPr lvl="0" indent="0" marL="0">
+              <a:spcBef>
+                <a:spcPts val="3000"/>
+              </a:spcBef>
+              <a:buNone/>
+            </a:pPr>
+            <a:r>
+              <a:rPr b="1"/>
+              <a:t>Binary Tree</a:t>
+            </a:r>
+          </a:p>
+          <a:p>
+            <a:pPr lvl="0"/>
+            <a:r>
+              <a:rPr/>
+              <a:t>https://stackoverflow.com/questions/8801898/representing-a-binary-tree-in-a-file</a:t>
+            </a:r>
+          </a:p>
+          <a:p>
+            <a:pPr lvl="0"/>
+            <a:r>
+              <a:rPr/>
+              <a:t>https://www.geeksforgeeks.org/serialize-deserialize-binary-tree/</a:t>
+            </a:r>
+          </a:p>
+          <a:p>
+            <a:pPr lvl="0"/>
+            <a:r>
+              <a:rPr/>
+              <a:t>https://www.cs.otago.ac.nz/cosc242/pdf/L12.pdf</a:t>
+            </a:r>
+          </a:p>
+        </p:txBody>
+      </p:sp>
+    </p:spTree>
+  </p:cSld>
+</p:sld>
+</file>
+
+<file path=ppt/slides/slide23.xml><?xml version="1.0" encoding="utf-8"?>
+<p:sld xmlns:a="http://schemas.openxmlformats.org/drawingml/2006/main" xmlns:r="http://schemas.openxmlformats.org/officeDocument/2006/relationships" xmlns:p="http://schemas.openxmlformats.org/presentationml/2006/main">
+  <p:cSld>
+    <p:spTree>
+      <p:nvGrpSpPr>
+        <p:cNvPr id="1" name=""/>
+        <p:cNvGrpSpPr/>
+        <p:nvPr/>
+      </p:nvGrpSpPr>
+      <p:grpSpPr>
+        <a:xfrm>
+          <a:off x="0" y="0"/>
+          <a:ext cx="0" cy="0"/>
+          <a:chOff x="0" y="0"/>
+          <a:chExt cx="0" cy="0"/>
+        </a:xfrm>
+      </p:grpSpPr>
+      <p:sp>
+        <p:nvSpPr>
+          <p:cNvPr id="3" name="Content Placeholder 2"/>
+          <p:cNvSpPr>
+            <a:spLocks noGrp="1"/>
+          </p:cNvSpPr>
+          <p:nvPr>
+            <p:ph idx="1"/>
+          </p:nvPr>
+        </p:nvSpPr>
+        <p:spPr/>
+        <p:txBody>
+          <a:bodyPr/>
+          <a:lstStyle/>
+          <a:p>
+            <a:pPr lvl="0" indent="0" marL="0">
+              <a:spcBef>
+                <a:spcPts val="3000"/>
+              </a:spcBef>
+              <a:buNone/>
+            </a:pPr>
+            <a:r>
+              <a:rPr b="1"/>
+              <a:t>Computed Chaining Insertion(CCI)</a:t>
+            </a:r>
+          </a:p>
+          <a:p>
+            <a:pPr lvl="0"/>
+            <a:r>
+              <a:rPr/>
+              <a:t>https://www.geeksforgeeks.org/c-program-hashing-chaining/</a:t>
+            </a:r>
+          </a:p>
+        </p:txBody>
+      </p:sp>
+    </p:spTree>
+  </p:cSld>
+</p:sld>
+</file>
+
+<file path=ppt/slides/slide24.xml><?xml version="1.0" encoding="utf-8"?>
+<p:sld xmlns:a="http://schemas.openxmlformats.org/drawingml/2006/main" xmlns:r="http://schemas.openxmlformats.org/officeDocument/2006/relationships" xmlns:p="http://schemas.openxmlformats.org/presentationml/2006/main">
+  <p:cSld>
+    <p:spTree>
+      <p:nvGrpSpPr>
+        <p:cNvPr id="1" name=""/>
+        <p:cNvGrpSpPr/>
+        <p:nvPr/>
+      </p:nvGrpSpPr>
+      <p:grpSpPr>
+        <a:xfrm>
+          <a:off x="0" y="0"/>
+          <a:ext cx="0" cy="0"/>
+          <a:chOff x="0" y="0"/>
+          <a:chExt cx="0" cy="0"/>
+        </a:xfrm>
+      </p:grpSpPr>
+      <p:sp>
+        <p:nvSpPr>
+          <p:cNvPr id="3" name="Content Placeholder 2"/>
+          <p:cNvSpPr>
+            <a:spLocks noGrp="1"/>
+          </p:cNvSpPr>
+          <p:nvPr>
+            <p:ph idx="1"/>
+          </p:nvPr>
+        </p:nvSpPr>
+        <p:spPr/>
+        <p:txBody>
+          <a:bodyPr/>
+          <a:lstStyle/>
+          <a:p>
+            <a:pPr lvl="0" indent="0" marL="0">
+              <a:spcBef>
+                <a:spcPts val="3000"/>
+              </a:spcBef>
+              <a:buNone/>
+            </a:pPr>
+            <a:r>
+              <a:rPr b="1"/>
+              <a:t>Comparison of Collision Resolution Methods</a:t>
+            </a:r>
+          </a:p>
+          <a:p>
+            <a:pPr lvl="0"/>
+            <a:r>
+              <a:rPr/>
+              <a:t>https://web.itu.edu.tr/~bkurt/Courses/blg341/lectures_full.pdf</a:t>
+            </a:r>
+          </a:p>
+        </p:txBody>
+      </p:sp>
+    </p:spTree>
+  </p:cSld>
+</p:sld>
+</file>
+
+<file path=ppt/slides/slide25.xml><?xml version="1.0" encoding="utf-8"?>
+<p:sld xmlns:a="http://schemas.openxmlformats.org/drawingml/2006/main" xmlns:r="http://schemas.openxmlformats.org/officeDocument/2006/relationships" xmlns:p="http://schemas.openxmlformats.org/presentationml/2006/main">
+  <p:cSld>
+    <p:spTree>
+      <p:nvGrpSpPr>
+        <p:cNvPr id="1" name=""/>
+        <p:cNvGrpSpPr/>
+        <p:nvPr/>
+      </p:nvGrpSpPr>
+      <p:grpSpPr>
+        <a:xfrm>
+          <a:off x="0" y="0"/>
+          <a:ext cx="0" cy="0"/>
+          <a:chOff x="0" y="0"/>
+          <a:chExt cx="0" cy="0"/>
+        </a:xfrm>
+      </p:grpSpPr>
+      <p:sp>
+        <p:nvSpPr>
+          <p:cNvPr id="3" name="Content Placeholder 2"/>
+          <p:cNvSpPr>
+            <a:spLocks noGrp="1"/>
+          </p:cNvSpPr>
+          <p:nvPr>
+            <p:ph idx="1"/>
+          </p:nvPr>
+        </p:nvSpPr>
+        <p:spPr/>
+        <p:txBody>
+          <a:bodyPr/>
+          <a:lstStyle/>
+          <a:p>
+            <a:pPr lvl="0" indent="0" marL="0">
+              <a:spcBef>
+                <a:spcPts val="3000"/>
+              </a:spcBef>
+              <a:buNone/>
+            </a:pPr>
+            <a:r>
+              <a:rPr b="1"/>
+              <a:t>Perfect Hashing</a:t>
+            </a:r>
+          </a:p>
+          <a:p>
+            <a:pPr lvl="0"/>
+            <a:r>
+              <a:rPr/>
+              <a:t>http://www.cs.otago.ac.nz/cosc242/pdf/L11.pdf</a:t>
+            </a:r>
+          </a:p>
+        </p:txBody>
+      </p:sp>
+    </p:spTree>
+  </p:cSld>
+</p:sld>
+</file>
+
+<file path=ppt/slides/slide26.xml><?xml version="1.0" encoding="utf-8"?>
+<p:sld xmlns:a="http://schemas.openxmlformats.org/drawingml/2006/main" xmlns:r="http://schemas.openxmlformats.org/officeDocument/2006/relationships" xmlns:p="http://schemas.openxmlformats.org/presentationml/2006/main">
+  <p:cSld>
+    <p:spTree>
+      <p:nvGrpSpPr>
+        <p:cNvPr id="1" name=""/>
+        <p:cNvGrpSpPr/>
+        <p:nvPr/>
+      </p:nvGrpSpPr>
+      <p:grpSpPr>
+        <a:xfrm>
+          <a:off x="0" y="0"/>
+          <a:ext cx="0" cy="0"/>
+          <a:chOff x="0" y="0"/>
+          <a:chExt cx="0" cy="0"/>
+        </a:xfrm>
+      </p:grpSpPr>
+      <p:sp>
+        <p:nvSpPr>
+          <p:cNvPr id="3" name="Content Placeholder 2"/>
+          <p:cNvSpPr>
+            <a:spLocks noGrp="1"/>
+          </p:cNvSpPr>
+          <p:nvPr>
+            <p:ph idx="1"/>
+          </p:nvPr>
+        </p:nvSpPr>
+        <p:spPr/>
+        <p:txBody>
+          <a:bodyPr/>
+          <a:lstStyle/>
+          <a:p>
+            <a:pPr lvl="0" indent="0" marL="0">
+              <a:spcBef>
+                <a:spcPts val="3000"/>
+              </a:spcBef>
+              <a:buNone/>
+            </a:pPr>
+            <a:r>
+              <a:rPr b="1"/>
+              <a:t>SimHash</a:t>
+            </a:r>
+          </a:p>
+          <a:p>
+            <a:pPr lvl="0"/>
+            <a:r>
+              <a:rPr/>
+              <a:t>Similar Hash</a:t>
+            </a:r>
+          </a:p>
+        </p:txBody>
+      </p:sp>
+    </p:spTree>
+  </p:cSld>
+</p:sld>
+</file>
+
+<file path=ppt/slides/slide27.xml><?xml version="1.0" encoding="utf-8"?>
+<p:sld xmlns:a="http://schemas.openxmlformats.org/drawingml/2006/main" xmlns:r="http://schemas.openxmlformats.org/officeDocument/2006/relationships" xmlns:p="http://schemas.openxmlformats.org/presentationml/2006/main">
+  <p:cSld>
+    <p:spTree>
+      <p:nvGrpSpPr>
+        <p:cNvPr id="1" name=""/>
+        <p:cNvGrpSpPr/>
+        <p:nvPr/>
+      </p:nvGrpSpPr>
+      <p:grpSpPr>
+        <a:xfrm>
+          <a:off x="0" y="0"/>
+          <a:ext cx="0" cy="0"/>
+          <a:chOff x="0" y="0"/>
+          <a:chExt cx="0" cy="0"/>
+        </a:xfrm>
+      </p:grpSpPr>
+      <mc:AlternateContent xmlns:mc="http://schemas.openxmlformats.org/markup-compatibility/2006">
+        <mc:Choice xmlns:a14="http://schemas.microsoft.com/office/drawing/2010/main" Requires="a14">
+          <p:sp>
+            <p:nvSpPr>
+              <p:cNvPr id="3" name="Content Placeholder 2"/>
+              <p:cNvSpPr>
+                <a:spLocks noGrp="1"/>
+              </p:cNvSpPr>
+              <p:nvPr>
+                <p:ph idx="1"/>
+              </p:nvPr>
+            </p:nvSpPr>
+            <p:spPr/>
+            <p:txBody>
+              <a:bodyPr/>
+              <a:lstStyle/>
+              <a:p>
+                <a:pPr lvl="0" indent="0" marL="0">
+                  <a:buNone/>
+                </a:pPr>
+                <a14:m>
+                  <m:oMathPara xmlns:m="http://schemas.openxmlformats.org/officeDocument/2006/math">
+                    <m:oMathParaPr>
+                      <m:jc m:val="center"/>
+                    </m:oMathParaPr>
+                    <m:oMath>
+                      <m:r>
+                        <m:t>E</m:t>
+                      </m:r>
+                      <m:r>
+                        <m:t>n</m:t>
+                      </m:r>
+                      <m:r>
+                        <m:t>d</m:t>
+                      </m:r>
+                      <m:r>
+                        <m:rPr>
+                          <m:sty m:val="p"/>
+                        </m:rPr>
+                        <m:t>−</m:t>
+                      </m:r>
+                      <m:r>
+                        <m:t>O</m:t>
+                      </m:r>
+                      <m:r>
+                        <m:t>f</m:t>
+                      </m:r>
+                      <m:r>
+                        <m:rPr>
+                          <m:sty m:val="p"/>
+                        </m:rPr>
+                        <m:t>−</m:t>
+                      </m:r>
+                      <m:r>
+                        <m:t>W</m:t>
+                      </m:r>
+                      <m:r>
+                        <m:t>e</m:t>
+                      </m:r>
+                      <m:r>
+                        <m:t>e</m:t>
+                      </m:r>
+                      <m:r>
+                        <m:t>k</m:t>
+                      </m:r>
+                      <m:r>
+                        <m:rPr>
+                          <m:sty m:val="p"/>
+                        </m:rPr>
+                        <m:t>−</m:t>
+                      </m:r>
+                      <m:r>
+                        <m:t>13</m:t>
+                      </m:r>
+                    </m:oMath>
+                  </m:oMathPara>
+                </a14:m>
+              </a:p>
+            </p:txBody>
+          </p:sp>
+        </mc:Choice>
+      </mc:AlternateContent>
     </p:spTree>
   </p:cSld>
 </p:sld>
@@ -3403,6 +4917,643 @@
                 <a:hlinkClick r:id="rId4"/>
               </a:rPr>
               <a:t>PPTX</a:t>
+            </a:r>
+          </a:p>
+        </p:txBody>
+      </p:sp>
+    </p:spTree>
+  </p:cSld>
+</p:sld>
+</file>
+
+<file path=ppt/slides/slide5.xml><?xml version="1.0" encoding="utf-8"?>
+<p:sld xmlns:a="http://schemas.openxmlformats.org/drawingml/2006/main" xmlns:r="http://schemas.openxmlformats.org/officeDocument/2006/relationships" xmlns:p="http://schemas.openxmlformats.org/presentationml/2006/main">
+  <p:cSld>
+    <p:spTree>
+      <p:nvGrpSpPr>
+        <p:cNvPr id="1" name=""/>
+        <p:cNvGrpSpPr/>
+        <p:nvPr/>
+      </p:nvGrpSpPr>
+      <p:grpSpPr>
+        <a:xfrm>
+          <a:off x="0" y="0"/>
+          <a:ext cx="0" cy="0"/>
+          <a:chOff x="0" y="0"/>
+          <a:chExt cx="0" cy="0"/>
+        </a:xfrm>
+      </p:grpSpPr>
+      <p:sp>
+        <p:nvSpPr>
+          <p:cNvPr id="2" name="Title 1"/>
+          <p:cNvSpPr>
+            <a:spLocks noGrp="1"/>
+          </p:cNvSpPr>
+          <p:nvPr>
+            <p:ph type="title"/>
+          </p:nvPr>
+        </p:nvSpPr>
+        <p:spPr/>
+        <p:txBody>
+          <a:bodyPr/>
+          <a:lstStyle/>
+          <a:p>
+            <a:pPr lvl="0" indent="0" marL="0">
+              <a:buNone/>
+            </a:pPr>
+            <a:r>
+              <a:rPr/>
+              <a:t>Outline-1</a:t>
+            </a:r>
+          </a:p>
+        </p:txBody>
+      </p:sp>
+      <p:sp>
+        <p:nvSpPr>
+          <p:cNvPr id="3" name="Content Placeholder 2"/>
+          <p:cNvSpPr>
+            <a:spLocks noGrp="1"/>
+          </p:cNvSpPr>
+          <p:nvPr>
+            <p:ph idx="1"/>
+          </p:nvPr>
+        </p:nvSpPr>
+        <p:spPr/>
+        <p:txBody>
+          <a:bodyPr/>
+          <a:lstStyle/>
+          <a:p>
+            <a:pPr lvl="0"/>
+            <a:r>
+              <a:rPr/>
+              <a:t>File Organization</a:t>
+            </a:r>
+          </a:p>
+          <a:p>
+            <a:pPr lvl="1"/>
+            <a:r>
+              <a:rPr/>
+              <a:t>Sequential File Organization</a:t>
+            </a:r>
+          </a:p>
+          <a:p>
+            <a:pPr lvl="2"/>
+            <a:r>
+              <a:rPr/>
+              <a:t>Binary Search</a:t>
+            </a:r>
+          </a:p>
+          <a:p>
+            <a:pPr lvl="2"/>
+            <a:r>
+              <a:rPr/>
+              <a:t>Interpolation Search</a:t>
+            </a:r>
+          </a:p>
+          <a:p>
+            <a:pPr lvl="2"/>
+            <a:r>
+              <a:rPr/>
+              <a:t>Self-Organizing Sequential Search</a:t>
+            </a:r>
+          </a:p>
+        </p:txBody>
+      </p:sp>
+    </p:spTree>
+  </p:cSld>
+</p:sld>
+</file>
+
+<file path=ppt/slides/slide6.xml><?xml version="1.0" encoding="utf-8"?>
+<p:sld xmlns:a="http://schemas.openxmlformats.org/drawingml/2006/main" xmlns:r="http://schemas.openxmlformats.org/officeDocument/2006/relationships" xmlns:p="http://schemas.openxmlformats.org/presentationml/2006/main">
+  <p:cSld>
+    <p:spTree>
+      <p:nvGrpSpPr>
+        <p:cNvPr id="1" name=""/>
+        <p:cNvGrpSpPr/>
+        <p:nvPr/>
+      </p:nvGrpSpPr>
+      <p:grpSpPr>
+        <a:xfrm>
+          <a:off x="0" y="0"/>
+          <a:ext cx="0" cy="0"/>
+          <a:chOff x="0" y="0"/>
+          <a:chExt cx="0" cy="0"/>
+        </a:xfrm>
+      </p:grpSpPr>
+      <p:sp>
+        <p:nvSpPr>
+          <p:cNvPr id="2" name="Title 1"/>
+          <p:cNvSpPr>
+            <a:spLocks noGrp="1"/>
+          </p:cNvSpPr>
+          <p:nvPr>
+            <p:ph type="title"/>
+          </p:nvPr>
+        </p:nvSpPr>
+        <p:spPr/>
+        <p:txBody>
+          <a:bodyPr/>
+          <a:lstStyle/>
+          <a:p>
+            <a:pPr lvl="0" indent="0" marL="0">
+              <a:buNone/>
+            </a:pPr>
+            <a:r>
+              <a:rPr/>
+              <a:t>Outline-2</a:t>
+            </a:r>
+          </a:p>
+        </p:txBody>
+      </p:sp>
+      <p:sp>
+        <p:nvSpPr>
+          <p:cNvPr id="3" name="Content Placeholder 2"/>
+          <p:cNvSpPr>
+            <a:spLocks noGrp="1"/>
+          </p:cNvSpPr>
+          <p:nvPr>
+            <p:ph idx="1"/>
+          </p:nvPr>
+        </p:nvSpPr>
+        <p:spPr/>
+        <p:txBody>
+          <a:bodyPr/>
+          <a:lstStyle/>
+          <a:p>
+            <a:pPr lvl="0"/>
+            <a:r>
+              <a:rPr/>
+              <a:t>File Organization</a:t>
+            </a:r>
+          </a:p>
+          <a:p>
+            <a:pPr lvl="1"/>
+            <a:r>
+              <a:rPr/>
+              <a:t>Direct File Organization</a:t>
+            </a:r>
+          </a:p>
+          <a:p>
+            <a:pPr lvl="2"/>
+            <a:r>
+              <a:rPr/>
+              <a:t>Locating Information</a:t>
+            </a:r>
+          </a:p>
+          <a:p>
+            <a:pPr lvl="2"/>
+            <a:r>
+              <a:rPr/>
+              <a:t>Hashing Functions (MD5, HAVAL, SHA1 etc.)</a:t>
+            </a:r>
+          </a:p>
+          <a:p>
+            <a:pPr lvl="3"/>
+            <a:r>
+              <a:rPr/>
+              <a:t>Key mod N</a:t>
+            </a:r>
+          </a:p>
+          <a:p>
+            <a:pPr lvl="3"/>
+            <a:r>
+              <a:rPr/>
+              <a:t>Key mod P</a:t>
+            </a:r>
+          </a:p>
+          <a:p>
+            <a:pPr lvl="3"/>
+            <a:r>
+              <a:rPr/>
+              <a:t>Truncation</a:t>
+            </a:r>
+          </a:p>
+          <a:p>
+            <a:pPr lvl="3"/>
+            <a:r>
+              <a:rPr/>
+              <a:t>Folding</a:t>
+            </a:r>
+          </a:p>
+          <a:p>
+            <a:pPr lvl="3"/>
+            <a:r>
+              <a:rPr/>
+              <a:t>Squaring</a:t>
+            </a:r>
+          </a:p>
+          <a:p>
+            <a:pPr lvl="3"/>
+            <a:r>
+              <a:rPr/>
+              <a:t>Radix Conversion</a:t>
+            </a:r>
+          </a:p>
+          <a:p>
+            <a:pPr lvl="3"/>
+            <a:r>
+              <a:rPr/>
+              <a:t>Polynomial Hashing</a:t>
+            </a:r>
+          </a:p>
+          <a:p>
+            <a:pPr lvl="3"/>
+            <a:r>
+              <a:rPr/>
+              <a:t>Alphabetic Keys</a:t>
+            </a:r>
+          </a:p>
+          <a:p>
+            <a:pPr lvl="3"/>
+            <a:r>
+              <a:rPr/>
+              <a:t>Collisions</a:t>
+            </a:r>
+          </a:p>
+        </p:txBody>
+      </p:sp>
+    </p:spTree>
+  </p:cSld>
+</p:sld>
+</file>
+
+<file path=ppt/slides/slide7.xml><?xml version="1.0" encoding="utf-8"?>
+<p:sld xmlns:a="http://schemas.openxmlformats.org/drawingml/2006/main" xmlns:r="http://schemas.openxmlformats.org/officeDocument/2006/relationships" xmlns:p="http://schemas.openxmlformats.org/presentationml/2006/main">
+  <p:cSld>
+    <p:spTree>
+      <p:nvGrpSpPr>
+        <p:cNvPr id="1" name=""/>
+        <p:cNvGrpSpPr/>
+        <p:nvPr/>
+      </p:nvGrpSpPr>
+      <p:grpSpPr>
+        <a:xfrm>
+          <a:off x="0" y="0"/>
+          <a:ext cx="0" cy="0"/>
+          <a:chOff x="0" y="0"/>
+          <a:chExt cx="0" cy="0"/>
+        </a:xfrm>
+      </p:grpSpPr>
+      <p:sp>
+        <p:nvSpPr>
+          <p:cNvPr id="2" name="Title 1"/>
+          <p:cNvSpPr>
+            <a:spLocks noGrp="1"/>
+          </p:cNvSpPr>
+          <p:nvPr>
+            <p:ph type="title"/>
+          </p:nvPr>
+        </p:nvSpPr>
+        <p:spPr/>
+        <p:txBody>
+          <a:bodyPr/>
+          <a:lstStyle/>
+          <a:p>
+            <a:pPr lvl="0" indent="0" marL="0">
+              <a:buNone/>
+            </a:pPr>
+            <a:r>
+              <a:rPr/>
+              <a:t>Outline-3</a:t>
+            </a:r>
+          </a:p>
+        </p:txBody>
+      </p:sp>
+      <p:sp>
+        <p:nvSpPr>
+          <p:cNvPr id="3" name="Content Placeholder 2"/>
+          <p:cNvSpPr>
+            <a:spLocks noGrp="1"/>
+          </p:cNvSpPr>
+          <p:nvPr>
+            <p:ph idx="1"/>
+          </p:nvPr>
+        </p:nvSpPr>
+        <p:spPr/>
+        <p:txBody>
+          <a:bodyPr/>
+          <a:lstStyle/>
+          <a:p>
+            <a:pPr lvl="0"/>
+            <a:r>
+              <a:rPr/>
+              <a:t>File Organization</a:t>
+            </a:r>
+          </a:p>
+          <a:p>
+            <a:pPr lvl="1"/>
+            <a:r>
+              <a:rPr/>
+              <a:t>Direct File Organization</a:t>
+            </a:r>
+          </a:p>
+          <a:p>
+            <a:pPr lvl="2"/>
+            <a:r>
+              <a:rPr/>
+              <a:t>Collision Resolution</a:t>
+            </a:r>
+          </a:p>
+          <a:p>
+            <a:pPr lvl="3"/>
+            <a:r>
+              <a:rPr/>
+              <a:t>Collision resolution with links</a:t>
+            </a:r>
+          </a:p>
+          <a:p>
+            <a:pPr lvl="3"/>
+            <a:r>
+              <a:rPr/>
+              <a:t>Collision resolution without links</a:t>
+            </a:r>
+          </a:p>
+          <a:p>
+            <a:pPr lvl="3"/>
+            <a:r>
+              <a:rPr/>
+              <a:t>Static positioning of records</a:t>
+            </a:r>
+          </a:p>
+          <a:p>
+            <a:pPr lvl="3"/>
+            <a:r>
+              <a:rPr/>
+              <a:t>Dynamic positioning of records</a:t>
+            </a:r>
+          </a:p>
+          <a:p>
+            <a:pPr lvl="3"/>
+            <a:r>
+              <a:rPr/>
+              <a:t>Collision resolution with pseudolinks</a:t>
+            </a:r>
+          </a:p>
+        </p:txBody>
+      </p:sp>
+    </p:spTree>
+  </p:cSld>
+</p:sld>
+</file>
+
+<file path=ppt/slides/slide8.xml><?xml version="1.0" encoding="utf-8"?>
+<p:sld xmlns:a="http://schemas.openxmlformats.org/drawingml/2006/main" xmlns:r="http://schemas.openxmlformats.org/officeDocument/2006/relationships" xmlns:p="http://schemas.openxmlformats.org/presentationml/2006/main">
+  <p:cSld>
+    <p:spTree>
+      <p:nvGrpSpPr>
+        <p:cNvPr id="1" name=""/>
+        <p:cNvGrpSpPr/>
+        <p:nvPr/>
+      </p:nvGrpSpPr>
+      <p:grpSpPr>
+        <a:xfrm>
+          <a:off x="0" y="0"/>
+          <a:ext cx="0" cy="0"/>
+          <a:chOff x="0" y="0"/>
+          <a:chExt cx="0" cy="0"/>
+        </a:xfrm>
+      </p:grpSpPr>
+      <p:sp>
+        <p:nvSpPr>
+          <p:cNvPr id="2" name="Title 1"/>
+          <p:cNvSpPr>
+            <a:spLocks noGrp="1"/>
+          </p:cNvSpPr>
+          <p:nvPr>
+            <p:ph type="title"/>
+          </p:nvPr>
+        </p:nvSpPr>
+        <p:spPr/>
+        <p:txBody>
+          <a:bodyPr/>
+          <a:lstStyle/>
+          <a:p>
+            <a:pPr lvl="0" indent="0" marL="0">
+              <a:buNone/>
+            </a:pPr>
+            <a:r>
+              <a:rPr/>
+              <a:t>Outline-4</a:t>
+            </a:r>
+          </a:p>
+        </p:txBody>
+      </p:sp>
+      <p:sp>
+        <p:nvSpPr>
+          <p:cNvPr id="3" name="Content Placeholder 2"/>
+          <p:cNvSpPr>
+            <a:spLocks noGrp="1"/>
+          </p:cNvSpPr>
+          <p:nvPr>
+            <p:ph idx="1"/>
+          </p:nvPr>
+        </p:nvSpPr>
+        <p:spPr/>
+        <p:txBody>
+          <a:bodyPr/>
+          <a:lstStyle/>
+          <a:p>
+            <a:pPr lvl="0"/>
+            <a:r>
+              <a:rPr/>
+              <a:t>File Organization</a:t>
+            </a:r>
+          </a:p>
+          <a:p>
+            <a:pPr lvl="1"/>
+            <a:r>
+              <a:rPr/>
+              <a:t>Direct File Organization</a:t>
+            </a:r>
+          </a:p>
+          <a:p>
+            <a:pPr lvl="2"/>
+            <a:r>
+              <a:rPr/>
+              <a:t>Coalesced Hashing</a:t>
+            </a:r>
+          </a:p>
+          <a:p>
+            <a:pPr lvl="3"/>
+            <a:r>
+              <a:rPr/>
+              <a:t>EISCH</a:t>
+            </a:r>
+          </a:p>
+          <a:p>
+            <a:pPr lvl="3"/>
+            <a:r>
+              <a:rPr/>
+              <a:t>LISCH</a:t>
+            </a:r>
+          </a:p>
+          <a:p>
+            <a:pPr lvl="3"/>
+            <a:r>
+              <a:rPr/>
+              <a:t>BEISCH</a:t>
+            </a:r>
+          </a:p>
+          <a:p>
+            <a:pPr lvl="3"/>
+            <a:r>
+              <a:rPr/>
+              <a:t>BLISCH</a:t>
+            </a:r>
+          </a:p>
+          <a:p>
+            <a:pPr lvl="3"/>
+            <a:r>
+              <a:rPr/>
+              <a:t>REISCH</a:t>
+            </a:r>
+          </a:p>
+          <a:p>
+            <a:pPr lvl="3"/>
+            <a:r>
+              <a:rPr/>
+              <a:t>RLISCH</a:t>
+            </a:r>
+          </a:p>
+          <a:p>
+            <a:pPr lvl="3"/>
+            <a:r>
+              <a:rPr/>
+              <a:t>EICH</a:t>
+            </a:r>
+          </a:p>
+          <a:p>
+            <a:pPr lvl="3"/>
+            <a:r>
+              <a:rPr/>
+              <a:t>LICH</a:t>
+            </a:r>
+          </a:p>
+        </p:txBody>
+      </p:sp>
+    </p:spTree>
+  </p:cSld>
+</p:sld>
+</file>
+
+<file path=ppt/slides/slide9.xml><?xml version="1.0" encoding="utf-8"?>
+<p:sld xmlns:a="http://schemas.openxmlformats.org/drawingml/2006/main" xmlns:r="http://schemas.openxmlformats.org/officeDocument/2006/relationships" xmlns:p="http://schemas.openxmlformats.org/presentationml/2006/main">
+  <p:cSld>
+    <p:spTree>
+      <p:nvGrpSpPr>
+        <p:cNvPr id="1" name=""/>
+        <p:cNvGrpSpPr/>
+        <p:nvPr/>
+      </p:nvGrpSpPr>
+      <p:grpSpPr>
+        <a:xfrm>
+          <a:off x="0" y="0"/>
+          <a:ext cx="0" cy="0"/>
+          <a:chOff x="0" y="0"/>
+          <a:chExt cx="0" cy="0"/>
+        </a:xfrm>
+      </p:grpSpPr>
+      <p:sp>
+        <p:nvSpPr>
+          <p:cNvPr id="2" name="Title 1"/>
+          <p:cNvSpPr>
+            <a:spLocks noGrp="1"/>
+          </p:cNvSpPr>
+          <p:nvPr>
+            <p:ph type="title"/>
+          </p:nvPr>
+        </p:nvSpPr>
+        <p:spPr/>
+        <p:txBody>
+          <a:bodyPr/>
+          <a:lstStyle/>
+          <a:p>
+            <a:pPr lvl="0" indent="0" marL="0">
+              <a:buNone/>
+            </a:pPr>
+            <a:r>
+              <a:rPr/>
+              <a:t>Outline-5</a:t>
+            </a:r>
+          </a:p>
+        </p:txBody>
+      </p:sp>
+      <p:sp>
+        <p:nvSpPr>
+          <p:cNvPr id="3" name="Content Placeholder 2"/>
+          <p:cNvSpPr>
+            <a:spLocks noGrp="1"/>
+          </p:cNvSpPr>
+          <p:nvPr>
+            <p:ph idx="1"/>
+          </p:nvPr>
+        </p:nvSpPr>
+        <p:spPr/>
+        <p:txBody>
+          <a:bodyPr/>
+          <a:lstStyle/>
+          <a:p>
+            <a:pPr lvl="0"/>
+            <a:r>
+              <a:rPr/>
+              <a:t>File Organization</a:t>
+            </a:r>
+          </a:p>
+          <a:p>
+            <a:pPr lvl="1"/>
+            <a:r>
+              <a:rPr/>
+              <a:t>Direct File Organization</a:t>
+            </a:r>
+          </a:p>
+          <a:p>
+            <a:pPr lvl="2"/>
+            <a:r>
+              <a:rPr/>
+              <a:t>Progressive Overflow</a:t>
+            </a:r>
+          </a:p>
+          <a:p>
+            <a:pPr lvl="3"/>
+            <a:r>
+              <a:rPr/>
+              <a:t>Linear Probing</a:t>
+            </a:r>
+          </a:p>
+          <a:p>
+            <a:pPr lvl="3"/>
+            <a:r>
+              <a:rPr/>
+              <a:t>Quadratic Probing</a:t>
+            </a:r>
+          </a:p>
+          <a:p>
+            <a:pPr lvl="2"/>
+            <a:r>
+              <a:rPr/>
+              <a:t>Double Hashing</a:t>
+            </a:r>
+          </a:p>
+          <a:p>
+            <a:pPr lvl="2"/>
+            <a:r>
+              <a:rPr/>
+              <a:t>Use of Buckets</a:t>
+            </a:r>
+          </a:p>
+          <a:p>
+            <a:pPr lvl="2"/>
+            <a:r>
+              <a:rPr/>
+              <a:t>Linear Quotient</a:t>
+            </a:r>
+          </a:p>
+          <a:p>
+            <a:pPr lvl="2"/>
+            <a:r>
+              <a:rPr/>
+              <a:t>Brent’s Method</a:t>
             </a:r>
           </a:p>
         </p:txBody>
